--- a/SSH Tunnels/SSH tunnels.pptx
+++ b/SSH Tunnels/SSH tunnels.pptx
@@ -5,13 +5,15 @@
     <p:sldMasterId id="2147483672" r:id="rId4"/>
   </p:sldMasterIdLst>
   <p:notesMasterIdLst>
-    <p:notesMasterId r:id="rId9"/>
+    <p:notesMasterId r:id="rId11"/>
   </p:notesMasterIdLst>
   <p:sldIdLst>
     <p:sldId id="273" r:id="rId5"/>
-    <p:sldId id="281" r:id="rId6"/>
-    <p:sldId id="282" r:id="rId7"/>
-    <p:sldId id="283" r:id="rId8"/>
+    <p:sldId id="284" r:id="rId6"/>
+    <p:sldId id="281" r:id="rId7"/>
+    <p:sldId id="282" r:id="rId8"/>
+    <p:sldId id="283" r:id="rId9"/>
+    <p:sldId id="285" r:id="rId10"/>
   </p:sldIdLst>
   <p:sldSz cx="9144000" cy="5143500" type="screen16x9"/>
   <p:notesSz cx="6858000" cy="9144000"/>
@@ -200,7 +202,7 @@
           <a:p>
             <a:fld id="{DDF2FCE7-7AFA-9242-BECB-A61CE0BE95A1}" type="datetimeFigureOut">
               <a:rPr lang="nl-NL" smtClean="0"/>
-              <a:t>3-3-2020</a:t>
+              <a:t>10-3-2020</a:t>
             </a:fld>
             <a:endParaRPr lang="nl-NL"/>
           </a:p>
@@ -617,7 +619,7 @@
           <a:p>
             <a:fld id="{CDFB967C-E8DF-AF4B-9B57-A68D256EEC90}" type="slidenum">
               <a:rPr lang="nl-NL" smtClean="0"/>
-              <a:t>2</a:t>
+              <a:t>3</a:t>
             </a:fld>
             <a:endParaRPr lang="nl-NL"/>
           </a:p>
@@ -988,7 +990,7 @@
           <a:p>
             <a:fld id="{A9710CDB-38B1-8E43-A846-6FE3B07A872E}" type="datetime1">
               <a:rPr lang="en-US" noProof="0" smtClean="0"/>
-              <a:t>3/3/2020</a:t>
+              <a:t>3/10/2020</a:t>
             </a:fld>
             <a:endParaRPr lang="nl-NL" noProof="0" dirty="0"/>
           </a:p>
@@ -1351,7 +1353,7 @@
           <a:p>
             <a:fld id="{12D8B67E-1464-254D-876A-5A059C6CA686}" type="datetime1">
               <a:rPr lang="en-US" smtClean="0"/>
-              <a:t>3/3/2020</a:t>
+              <a:t>3/10/2020</a:t>
             </a:fld>
             <a:endParaRPr lang="nl-NL"/>
           </a:p>
@@ -1747,7 +1749,7 @@
           <a:p>
             <a:fld id="{1297756A-AF1A-B249-A7CF-A1AE4E86FA38}" type="datetime1">
               <a:rPr lang="en-US" smtClean="0"/>
-              <a:t>3/3/2020</a:t>
+              <a:t>3/10/2020</a:t>
             </a:fld>
             <a:endParaRPr lang="nl-NL"/>
           </a:p>
@@ -2084,7 +2086,7 @@
           <a:p>
             <a:fld id="{37C8E900-D3BD-ED44-9070-3471A5611DC2}" type="datetime1">
               <a:rPr lang="en-US" smtClean="0"/>
-              <a:t>3/3/2020</a:t>
+              <a:t>3/10/2020</a:t>
             </a:fld>
             <a:endParaRPr lang="nl-NL"/>
           </a:p>
@@ -2238,7 +2240,7 @@
           <a:p>
             <a:fld id="{203D5A3F-EB4E-3340-8D19-07B028CB11AD}" type="datetime1">
               <a:rPr lang="en-US" smtClean="0"/>
-              <a:t>3/3/2020</a:t>
+              <a:t>3/10/2020</a:t>
             </a:fld>
             <a:endParaRPr lang="nl-NL"/>
           </a:p>
@@ -3125,7 +3127,7 @@
           <a:p>
             <a:fld id="{405216DA-0E4B-CC41-ACBF-76C3BC02E189}" type="datetime1">
               <a:rPr lang="en-US" smtClean="0"/>
-              <a:t>3/3/2020</a:t>
+              <a:t>3/10/2020</a:t>
             </a:fld>
             <a:endParaRPr lang="nl-NL"/>
           </a:p>
@@ -3372,7 +3374,7 @@
           <a:p>
             <a:fld id="{779D8D44-D820-BB49-9309-B66E37C4EE70}" type="datetime1">
               <a:rPr lang="en-US" smtClean="0"/>
-              <a:t>3/3/2020</a:t>
+              <a:t>3/10/2020</a:t>
             </a:fld>
             <a:endParaRPr lang="nl-NL"/>
           </a:p>
@@ -3598,7 +3600,7 @@
           <a:p>
             <a:fld id="{A4AB6030-B80C-7C4C-B97F-1ADFAB53E146}" type="datetime1">
               <a:rPr lang="en-US" smtClean="0"/>
-              <a:t>3/3/2020</a:t>
+              <a:t>3/10/2020</a:t>
             </a:fld>
             <a:endParaRPr lang="nl-NL"/>
           </a:p>
@@ -3741,7 +3743,7 @@
           <a:p>
             <a:fld id="{DA73B474-0AB7-8846-BA6A-67033A8CF4FA}" type="datetime1">
               <a:rPr lang="en-US" smtClean="0"/>
-              <a:t>3/3/2020</a:t>
+              <a:t>3/10/2020</a:t>
             </a:fld>
             <a:endParaRPr lang="nl-NL"/>
           </a:p>
@@ -4180,7 +4182,7 @@
           <a:p>
             <a:fld id="{56BA50C8-7311-E14C-816D-7251E320C8DC}" type="datetime1">
               <a:rPr lang="en-US" smtClean="0"/>
-              <a:t>3/3/2020</a:t>
+              <a:t>3/10/2020</a:t>
             </a:fld>
             <a:endParaRPr lang="nl-NL"/>
           </a:p>
@@ -4769,7 +4771,7 @@
           <a:p>
             <a:fld id="{A9710CDB-38B1-8E43-A846-6FE3B07A872E}" type="datetime1">
               <a:rPr lang="en-US" noProof="0" smtClean="0"/>
-              <a:t>3/3/2020</a:t>
+              <a:t>3/10/2020</a:t>
             </a:fld>
             <a:endParaRPr lang="nl-NL" noProof="0" dirty="0"/>
           </a:p>
@@ -5045,7 +5047,7 @@
           <a:p>
             <a:fld id="{E300D605-E2BB-8B4E-A2F3-5A64231C34A6}" type="datetime1">
               <a:rPr lang="en-US" smtClean="0"/>
-              <a:t>3/3/2020</a:t>
+              <a:t>3/10/2020</a:t>
             </a:fld>
             <a:endParaRPr lang="nl-NL"/>
           </a:p>
@@ -5541,14 +5543,14 @@
           <a:p>
             <a:r>
               <a:rPr lang="en-GB" dirty="0"/>
-              <a:t>Workshop</a:t>
+              <a:t>SSH Tunnels</a:t>
             </a:r>
             <a:br>
               <a:rPr lang="en-GB" dirty="0"/>
             </a:br>
             <a:r>
-              <a:rPr lang="en-GB" dirty="0"/>
-              <a:t>SSH Tunnels</a:t>
+              <a:rPr lang="en-GB" sz="1800" dirty="0"/>
+              <a:t>A powerful tool</a:t>
             </a:r>
             <a:endParaRPr lang="nl-NL" dirty="0"/>
           </a:p>
@@ -5589,6 +5591,966 @@
           <p:cNvPr id="2" name="Titel 1">
             <a:extLst>
               <a:ext uri="{FF2B5EF4-FFF2-40B4-BE49-F238E27FC236}">
+                <a16:creationId xmlns:a16="http://schemas.microsoft.com/office/drawing/2014/main" id="{3B5F080D-9F03-4B1C-A1D6-DE74BBAACB8D}"/>
+              </a:ext>
+            </a:extLst>
+          </p:cNvPr>
+          <p:cNvSpPr>
+            <a:spLocks noGrp="1"/>
+          </p:cNvSpPr>
+          <p:nvPr>
+            <p:ph type="title"/>
+          </p:nvPr>
+        </p:nvSpPr>
+        <p:spPr/>
+        <p:txBody>
+          <a:bodyPr/>
+          <a:lstStyle/>
+          <a:p>
+            <a:r>
+              <a:rPr lang="nl-NL" dirty="0"/>
+              <a:t>SSH tunnels </a:t>
+            </a:r>
+            <a:r>
+              <a:rPr lang="nl-NL" dirty="0" err="1"/>
+              <a:t>usecases</a:t>
+            </a:r>
+            <a:endParaRPr lang="en-GB" dirty="0"/>
+          </a:p>
+        </p:txBody>
+      </p:sp>
+      <p:sp>
+        <p:nvSpPr>
+          <p:cNvPr id="3" name="Tijdelijke aanduiding voor inhoud 2">
+            <a:extLst>
+              <a:ext uri="{FF2B5EF4-FFF2-40B4-BE49-F238E27FC236}">
+                <a16:creationId xmlns:a16="http://schemas.microsoft.com/office/drawing/2014/main" id="{4EBF00E0-30B9-4483-B97E-7925E4AC9A87}"/>
+              </a:ext>
+            </a:extLst>
+          </p:cNvPr>
+          <p:cNvSpPr>
+            <a:spLocks noGrp="1"/>
+          </p:cNvSpPr>
+          <p:nvPr>
+            <p:ph idx="1"/>
+          </p:nvPr>
+        </p:nvSpPr>
+        <p:spPr>
+          <a:xfrm>
+            <a:off x="720003" y="894398"/>
+            <a:ext cx="6623999" cy="3780000"/>
+          </a:xfrm>
+        </p:spPr>
+        <p:txBody>
+          <a:bodyPr/>
+          <a:lstStyle/>
+          <a:p>
+            <a:r>
+              <a:rPr lang="nl-NL" b="1" dirty="0"/>
+              <a:t>Stepping </a:t>
+            </a:r>
+            <a:r>
+              <a:rPr lang="nl-NL" b="1" dirty="0" err="1"/>
+              <a:t>stones</a:t>
+            </a:r>
+            <a:br>
+              <a:rPr lang="nl-NL" dirty="0"/>
+            </a:br>
+            <a:r>
+              <a:rPr lang="nl-NL" dirty="0"/>
+              <a:t>Secure access </a:t>
+            </a:r>
+            <a:r>
+              <a:rPr lang="nl-NL" dirty="0" err="1"/>
+              <a:t>to</a:t>
+            </a:r>
+            <a:r>
+              <a:rPr lang="nl-NL" dirty="0"/>
+              <a:t> a remote server or </a:t>
+            </a:r>
+            <a:r>
+              <a:rPr lang="nl-NL" dirty="0" err="1"/>
+              <a:t>network</a:t>
+            </a:r>
+            <a:endParaRPr lang="nl-NL" dirty="0"/>
+          </a:p>
+          <a:p>
+            <a:endParaRPr lang="nl-NL" dirty="0"/>
+          </a:p>
+          <a:p>
+            <a:r>
+              <a:rPr lang="nl-NL" b="1" dirty="0"/>
+              <a:t>Secure </a:t>
+            </a:r>
+            <a:r>
+              <a:rPr lang="nl-NL" b="1" dirty="0" err="1"/>
+              <a:t>your</a:t>
+            </a:r>
+            <a:r>
+              <a:rPr lang="nl-NL" b="1" dirty="0"/>
+              <a:t> internet traffic</a:t>
+            </a:r>
+            <a:br>
+              <a:rPr lang="nl-NL" dirty="0"/>
+            </a:br>
+            <a:r>
+              <a:rPr lang="nl-NL" dirty="0"/>
+              <a:t>At </a:t>
+            </a:r>
+            <a:r>
+              <a:rPr lang="nl-NL" dirty="0" err="1"/>
+              <a:t>the</a:t>
+            </a:r>
+            <a:r>
+              <a:rPr lang="nl-NL" dirty="0"/>
+              <a:t> airport, in hotels</a:t>
+            </a:r>
+          </a:p>
+          <a:p>
+            <a:endParaRPr lang="nl-NL" dirty="0"/>
+          </a:p>
+          <a:p>
+            <a:r>
+              <a:rPr lang="nl-NL" b="1" dirty="0" err="1"/>
+              <a:t>Testing</a:t>
+            </a:r>
+            <a:r>
+              <a:rPr lang="nl-NL" b="1" dirty="0"/>
+              <a:t> </a:t>
+            </a:r>
+            <a:r>
+              <a:rPr lang="nl-NL" b="1" dirty="0" err="1"/>
+              <a:t>from</a:t>
+            </a:r>
+            <a:r>
+              <a:rPr lang="nl-NL" b="1" dirty="0"/>
+              <a:t> </a:t>
+            </a:r>
+            <a:r>
+              <a:rPr lang="nl-NL" b="1" dirty="0" err="1"/>
+              <a:t>outside</a:t>
+            </a:r>
+            <a:r>
+              <a:rPr lang="nl-NL" b="1" dirty="0"/>
+              <a:t> </a:t>
+            </a:r>
+            <a:r>
+              <a:rPr lang="nl-NL" b="1" dirty="0" err="1"/>
+              <a:t>the</a:t>
+            </a:r>
+            <a:r>
+              <a:rPr lang="nl-NL" b="1" dirty="0"/>
+              <a:t> company </a:t>
+            </a:r>
+            <a:r>
+              <a:rPr lang="nl-NL" b="1" dirty="0" err="1"/>
+              <a:t>network</a:t>
+            </a:r>
+            <a:br>
+              <a:rPr lang="nl-NL" dirty="0"/>
+            </a:br>
+            <a:r>
+              <a:rPr lang="nl-NL" dirty="0" err="1"/>
+              <a:t>Simulate</a:t>
+            </a:r>
+            <a:r>
+              <a:rPr lang="nl-NL" dirty="0"/>
+              <a:t> a </a:t>
+            </a:r>
+            <a:r>
+              <a:rPr lang="nl-NL" dirty="0" err="1"/>
+              <a:t>customers</a:t>
+            </a:r>
+            <a:r>
+              <a:rPr lang="nl-NL" dirty="0"/>
+              <a:t> entry point</a:t>
+            </a:r>
+          </a:p>
+          <a:p>
+            <a:endParaRPr lang="nl-NL" dirty="0"/>
+          </a:p>
+          <a:p>
+            <a:r>
+              <a:rPr lang="nl-NL" b="1" dirty="0"/>
+              <a:t>Change </a:t>
+            </a:r>
+            <a:r>
+              <a:rPr lang="nl-NL" b="1" dirty="0" err="1"/>
+              <a:t>your</a:t>
+            </a:r>
+            <a:r>
+              <a:rPr lang="nl-NL" b="1" dirty="0"/>
+              <a:t> </a:t>
+            </a:r>
+            <a:r>
+              <a:rPr lang="nl-NL" b="1" dirty="0" err="1"/>
+              <a:t>location</a:t>
+            </a:r>
+            <a:br>
+              <a:rPr lang="nl-NL" dirty="0"/>
+            </a:br>
+            <a:r>
+              <a:rPr lang="nl-NL" dirty="0"/>
+              <a:t>Access </a:t>
+            </a:r>
+            <a:r>
+              <a:rPr lang="nl-NL" dirty="0" err="1"/>
+              <a:t>region</a:t>
+            </a:r>
+            <a:r>
+              <a:rPr lang="nl-NL" dirty="0"/>
+              <a:t> </a:t>
+            </a:r>
+            <a:r>
+              <a:rPr lang="nl-NL" dirty="0" err="1"/>
+              <a:t>limited</a:t>
+            </a:r>
+            <a:r>
+              <a:rPr lang="nl-NL" dirty="0"/>
+              <a:t> content</a:t>
+            </a:r>
+          </a:p>
+          <a:p>
+            <a:endParaRPr lang="nl-NL" dirty="0"/>
+          </a:p>
+          <a:p>
+            <a:r>
+              <a:rPr lang="nl-NL" b="1" dirty="0" err="1"/>
+              <a:t>Circumvent</a:t>
+            </a:r>
+            <a:r>
+              <a:rPr lang="nl-NL" b="1" dirty="0"/>
+              <a:t> </a:t>
+            </a:r>
+            <a:r>
+              <a:rPr lang="nl-NL" b="1" dirty="0" err="1"/>
+              <a:t>censorship</a:t>
+            </a:r>
+            <a:br>
+              <a:rPr lang="nl-NL" dirty="0"/>
+            </a:br>
+            <a:r>
+              <a:rPr lang="nl-NL" dirty="0"/>
+              <a:t>Country, ISP, company</a:t>
+            </a:r>
+          </a:p>
+          <a:p>
+            <a:endParaRPr lang="en-GB" dirty="0"/>
+          </a:p>
+        </p:txBody>
+      </p:sp>
+      <p:sp>
+        <p:nvSpPr>
+          <p:cNvPr id="4" name="Tijdelijke aanduiding voor dianummer 3">
+            <a:extLst>
+              <a:ext uri="{FF2B5EF4-FFF2-40B4-BE49-F238E27FC236}">
+                <a16:creationId xmlns:a16="http://schemas.microsoft.com/office/drawing/2014/main" id="{265DB62E-E7EC-4092-8ACF-3FB4D869C98C}"/>
+              </a:ext>
+            </a:extLst>
+          </p:cNvPr>
+          <p:cNvSpPr>
+            <a:spLocks noGrp="1"/>
+          </p:cNvSpPr>
+          <p:nvPr>
+            <p:ph type="sldNum" sz="quarter" idx="12"/>
+          </p:nvPr>
+        </p:nvSpPr>
+        <p:spPr/>
+        <p:txBody>
+          <a:bodyPr/>
+          <a:lstStyle/>
+          <a:p>
+            <a:fld id="{14F1411D-0280-154F-AEAC-4C20B7AA46B2}" type="slidenum">
+              <a:rPr lang="nl-NL" smtClean="0"/>
+              <a:t>2</a:t>
+            </a:fld>
+            <a:endParaRPr lang="nl-NL"/>
+          </a:p>
+        </p:txBody>
+      </p:sp>
+      <p:pic>
+        <p:nvPicPr>
+          <p:cNvPr id="1026" name="Picture 2" descr="Image result for stepping stone">
+            <a:extLst>
+              <a:ext uri="{FF2B5EF4-FFF2-40B4-BE49-F238E27FC236}">
+                <a16:creationId xmlns:a16="http://schemas.microsoft.com/office/drawing/2014/main" id="{AA2AA740-C6BA-4C4D-AC8C-EE418BADFFF4}"/>
+              </a:ext>
+            </a:extLst>
+          </p:cNvPr>
+          <p:cNvPicPr>
+            <a:picLocks noChangeAspect="1" noChangeArrowheads="1"/>
+          </p:cNvPicPr>
+          <p:nvPr/>
+        </p:nvPicPr>
+        <p:blipFill>
+          <a:blip r:embed="rId2">
+            <a:extLst>
+              <a:ext uri="{28A0092B-C50C-407E-A947-70E740481C1C}">
+                <a14:useLocalDpi xmlns:a14="http://schemas.microsoft.com/office/drawing/2010/main" val="0"/>
+              </a:ext>
+            </a:extLst>
+          </a:blip>
+          <a:srcRect/>
+          <a:stretch>
+            <a:fillRect/>
+          </a:stretch>
+        </p:blipFill>
+        <p:spPr bwMode="auto">
+          <a:xfrm>
+            <a:off x="5672667" y="588617"/>
+            <a:ext cx="2938156" cy="1175262"/>
+          </a:xfrm>
+          <a:prstGeom prst="rect">
+            <a:avLst/>
+          </a:prstGeom>
+          <a:noFill/>
+          <a:extLst>
+            <a:ext uri="{909E8E84-426E-40DD-AFC4-6F175D3DCCD1}">
+              <a14:hiddenFill xmlns:a14="http://schemas.microsoft.com/office/drawing/2010/main">
+                <a:solidFill>
+                  <a:srgbClr val="FFFFFF"/>
+                </a:solidFill>
+              </a14:hiddenFill>
+            </a:ext>
+          </a:extLst>
+        </p:spPr>
+      </p:pic>
+      <p:pic>
+        <p:nvPicPr>
+          <p:cNvPr id="1028" name="Picture 4" descr="Image result for secure traffic">
+            <a:extLst>
+              <a:ext uri="{FF2B5EF4-FFF2-40B4-BE49-F238E27FC236}">
+                <a16:creationId xmlns:a16="http://schemas.microsoft.com/office/drawing/2014/main" id="{39F218D6-C847-47BB-BA7F-71DBA83E581D}"/>
+              </a:ext>
+            </a:extLst>
+          </p:cNvPr>
+          <p:cNvPicPr>
+            <a:picLocks noChangeAspect="1" noChangeArrowheads="1"/>
+          </p:cNvPicPr>
+          <p:nvPr/>
+        </p:nvPicPr>
+        <p:blipFill>
+          <a:blip r:embed="rId3">
+            <a:extLst>
+              <a:ext uri="{28A0092B-C50C-407E-A947-70E740481C1C}">
+                <a14:useLocalDpi xmlns:a14="http://schemas.microsoft.com/office/drawing/2010/main" val="0"/>
+              </a:ext>
+            </a:extLst>
+          </a:blip>
+          <a:srcRect/>
+          <a:stretch>
+            <a:fillRect/>
+          </a:stretch>
+        </p:blipFill>
+        <p:spPr bwMode="auto">
+          <a:xfrm>
+            <a:off x="5427838" y="1283132"/>
+            <a:ext cx="2039761" cy="1361802"/>
+          </a:xfrm>
+          <a:prstGeom prst="rect">
+            <a:avLst/>
+          </a:prstGeom>
+          <a:noFill/>
+          <a:extLst>
+            <a:ext uri="{909E8E84-426E-40DD-AFC4-6F175D3DCCD1}">
+              <a14:hiddenFill xmlns:a14="http://schemas.microsoft.com/office/drawing/2010/main">
+                <a:solidFill>
+                  <a:srgbClr val="FFFFFF"/>
+                </a:solidFill>
+              </a14:hiddenFill>
+            </a:ext>
+          </a:extLst>
+        </p:spPr>
+      </p:pic>
+      <p:pic>
+        <p:nvPicPr>
+          <p:cNvPr id="1030" name="Picture 6" descr="Image result for internet firewall">
+            <a:extLst>
+              <a:ext uri="{FF2B5EF4-FFF2-40B4-BE49-F238E27FC236}">
+                <a16:creationId xmlns:a16="http://schemas.microsoft.com/office/drawing/2014/main" id="{1A4A4EF5-294A-4D28-AADD-2A3602E4C668}"/>
+              </a:ext>
+            </a:extLst>
+          </p:cNvPr>
+          <p:cNvPicPr>
+            <a:picLocks noChangeAspect="1" noChangeArrowheads="1"/>
+          </p:cNvPicPr>
+          <p:nvPr/>
+        </p:nvPicPr>
+        <p:blipFill>
+          <a:blip r:embed="rId4">
+            <a:extLst>
+              <a:ext uri="{28A0092B-C50C-407E-A947-70E740481C1C}">
+                <a14:useLocalDpi xmlns:a14="http://schemas.microsoft.com/office/drawing/2010/main" val="0"/>
+              </a:ext>
+            </a:extLst>
+          </a:blip>
+          <a:srcRect/>
+          <a:stretch>
+            <a:fillRect/>
+          </a:stretch>
+        </p:blipFill>
+        <p:spPr bwMode="auto">
+          <a:xfrm>
+            <a:off x="6461352" y="2003731"/>
+            <a:ext cx="2149471" cy="1535336"/>
+          </a:xfrm>
+          <a:prstGeom prst="rect">
+            <a:avLst/>
+          </a:prstGeom>
+          <a:noFill/>
+          <a:ln w="38100">
+            <a:solidFill>
+              <a:schemeClr val="accent1"/>
+            </a:solidFill>
+          </a:ln>
+          <a:extLst>
+            <a:ext uri="{909E8E84-426E-40DD-AFC4-6F175D3DCCD1}">
+              <a14:hiddenFill xmlns:a14="http://schemas.microsoft.com/office/drawing/2010/main">
+                <a:solidFill>
+                  <a:srgbClr val="FFFFFF"/>
+                </a:solidFill>
+              </a14:hiddenFill>
+            </a:ext>
+          </a:extLst>
+        </p:spPr>
+      </p:pic>
+      <p:pic>
+        <p:nvPicPr>
+          <p:cNvPr id="1032" name="Picture 8" descr="Image result for change location">
+            <a:extLst>
+              <a:ext uri="{FF2B5EF4-FFF2-40B4-BE49-F238E27FC236}">
+                <a16:creationId xmlns:a16="http://schemas.microsoft.com/office/drawing/2014/main" id="{657D984E-7A04-4E67-9BB9-D4A6359159D6}"/>
+              </a:ext>
+            </a:extLst>
+          </p:cNvPr>
+          <p:cNvPicPr>
+            <a:picLocks noChangeAspect="1" noChangeArrowheads="1"/>
+          </p:cNvPicPr>
+          <p:nvPr/>
+        </p:nvPicPr>
+        <p:blipFill>
+          <a:blip r:embed="rId5">
+            <a:extLst>
+              <a:ext uri="{28A0092B-C50C-407E-A947-70E740481C1C}">
+                <a14:useLocalDpi xmlns:a14="http://schemas.microsoft.com/office/drawing/2010/main" val="0"/>
+              </a:ext>
+            </a:extLst>
+          </a:blip>
+          <a:srcRect/>
+          <a:stretch>
+            <a:fillRect/>
+          </a:stretch>
+        </p:blipFill>
+        <p:spPr bwMode="auto">
+          <a:xfrm>
+            <a:off x="4933533" y="3012968"/>
+            <a:ext cx="2472267" cy="1236134"/>
+          </a:xfrm>
+          <a:prstGeom prst="rect">
+            <a:avLst/>
+          </a:prstGeom>
+          <a:noFill/>
+          <a:ln w="38100">
+            <a:solidFill>
+              <a:schemeClr val="accent1"/>
+            </a:solidFill>
+          </a:ln>
+          <a:extLst>
+            <a:ext uri="{909E8E84-426E-40DD-AFC4-6F175D3DCCD1}">
+              <a14:hiddenFill xmlns:a14="http://schemas.microsoft.com/office/drawing/2010/main">
+                <a:solidFill>
+                  <a:srgbClr val="FFFFFF"/>
+                </a:solidFill>
+              </a14:hiddenFill>
+            </a:ext>
+          </a:extLst>
+        </p:spPr>
+      </p:pic>
+      <p:pic>
+        <p:nvPicPr>
+          <p:cNvPr id="5" name="Afbeelding 4">
+            <a:extLst>
+              <a:ext uri="{FF2B5EF4-FFF2-40B4-BE49-F238E27FC236}">
+                <a16:creationId xmlns:a16="http://schemas.microsoft.com/office/drawing/2014/main" id="{C8B31529-2131-4587-B73D-95E5EEEABEF7}"/>
+              </a:ext>
+            </a:extLst>
+          </p:cNvPr>
+          <p:cNvPicPr>
+            <a:picLocks noChangeAspect="1"/>
+          </p:cNvPicPr>
+          <p:nvPr/>
+        </p:nvPicPr>
+        <p:blipFill rotWithShape="1">
+          <a:blip r:embed="rId6"/>
+          <a:srcRect b="10388"/>
+          <a:stretch/>
+        </p:blipFill>
+        <p:spPr>
+          <a:xfrm>
+            <a:off x="6557432" y="3717192"/>
+            <a:ext cx="2472267" cy="1278141"/>
+          </a:xfrm>
+          <a:prstGeom prst="rect">
+            <a:avLst/>
+          </a:prstGeom>
+          <a:solidFill>
+            <a:schemeClr val="bg1"/>
+          </a:solidFill>
+          <a:ln w="38100">
+            <a:solidFill>
+              <a:schemeClr val="accent1"/>
+            </a:solidFill>
+          </a:ln>
+        </p:spPr>
+      </p:pic>
+    </p:spTree>
+    <p:extLst>
+      <p:ext uri="{BB962C8B-B14F-4D97-AF65-F5344CB8AC3E}">
+        <p14:creationId xmlns:p14="http://schemas.microsoft.com/office/powerpoint/2010/main" val="3981827187"/>
+      </p:ext>
+    </p:extLst>
+  </p:cSld>
+  <p:clrMapOvr>
+    <a:masterClrMapping/>
+  </p:clrMapOvr>
+  <p:timing>
+    <p:tnLst>
+      <p:par>
+        <p:cTn id="1" dur="indefinite" restart="never" nodeType="tmRoot">
+          <p:childTnLst>
+            <p:seq concurrent="1" nextAc="seek">
+              <p:cTn id="2" dur="indefinite" nodeType="mainSeq">
+                <p:childTnLst>
+                  <p:par>
+                    <p:cTn id="3" fill="hold">
+                      <p:stCondLst>
+                        <p:cond delay="indefinite"/>
+                      </p:stCondLst>
+                      <p:childTnLst>
+                        <p:par>
+                          <p:cTn id="4" fill="hold">
+                            <p:stCondLst>
+                              <p:cond delay="0"/>
+                            </p:stCondLst>
+                            <p:childTnLst>
+                              <p:par>
+                                <p:cTn id="5" presetID="1" presetClass="entr" presetSubtype="0" fill="hold" grpId="0" nodeType="clickEffect">
+                                  <p:stCondLst>
+                                    <p:cond delay="0"/>
+                                  </p:stCondLst>
+                                  <p:childTnLst>
+                                    <p:set>
+                                      <p:cBhvr>
+                                        <p:cTn id="6" dur="1" fill="hold">
+                                          <p:stCondLst>
+                                            <p:cond delay="0"/>
+                                          </p:stCondLst>
+                                        </p:cTn>
+                                        <p:tgtEl>
+                                          <p:spTgt spid="3">
+                                            <p:txEl>
+                                              <p:pRg st="0" end="0"/>
+                                            </p:txEl>
+                                          </p:spTgt>
+                                        </p:tgtEl>
+                                        <p:attrNameLst>
+                                          <p:attrName>style.visibility</p:attrName>
+                                        </p:attrNameLst>
+                                      </p:cBhvr>
+                                      <p:to>
+                                        <p:strVal val="visible"/>
+                                      </p:to>
+                                    </p:set>
+                                  </p:childTnLst>
+                                </p:cTn>
+                              </p:par>
+                              <p:par>
+                                <p:cTn id="7" presetID="1" presetClass="entr" presetSubtype="0" fill="hold" nodeType="withEffect">
+                                  <p:stCondLst>
+                                    <p:cond delay="0"/>
+                                  </p:stCondLst>
+                                  <p:childTnLst>
+                                    <p:set>
+                                      <p:cBhvr>
+                                        <p:cTn id="8" dur="1" fill="hold">
+                                          <p:stCondLst>
+                                            <p:cond delay="0"/>
+                                          </p:stCondLst>
+                                        </p:cTn>
+                                        <p:tgtEl>
+                                          <p:spTgt spid="1026"/>
+                                        </p:tgtEl>
+                                        <p:attrNameLst>
+                                          <p:attrName>style.visibility</p:attrName>
+                                        </p:attrNameLst>
+                                      </p:cBhvr>
+                                      <p:to>
+                                        <p:strVal val="visible"/>
+                                      </p:to>
+                                    </p:set>
+                                  </p:childTnLst>
+                                </p:cTn>
+                              </p:par>
+                            </p:childTnLst>
+                          </p:cTn>
+                        </p:par>
+                      </p:childTnLst>
+                    </p:cTn>
+                  </p:par>
+                  <p:par>
+                    <p:cTn id="9" fill="hold">
+                      <p:stCondLst>
+                        <p:cond delay="indefinite"/>
+                      </p:stCondLst>
+                      <p:childTnLst>
+                        <p:par>
+                          <p:cTn id="10" fill="hold">
+                            <p:stCondLst>
+                              <p:cond delay="0"/>
+                            </p:stCondLst>
+                            <p:childTnLst>
+                              <p:par>
+                                <p:cTn id="11" presetID="1" presetClass="entr" presetSubtype="0" fill="hold" grpId="0" nodeType="clickEffect">
+                                  <p:stCondLst>
+                                    <p:cond delay="0"/>
+                                  </p:stCondLst>
+                                  <p:childTnLst>
+                                    <p:set>
+                                      <p:cBhvr>
+                                        <p:cTn id="12" dur="1" fill="hold">
+                                          <p:stCondLst>
+                                            <p:cond delay="0"/>
+                                          </p:stCondLst>
+                                        </p:cTn>
+                                        <p:tgtEl>
+                                          <p:spTgt spid="3">
+                                            <p:txEl>
+                                              <p:pRg st="2" end="2"/>
+                                            </p:txEl>
+                                          </p:spTgt>
+                                        </p:tgtEl>
+                                        <p:attrNameLst>
+                                          <p:attrName>style.visibility</p:attrName>
+                                        </p:attrNameLst>
+                                      </p:cBhvr>
+                                      <p:to>
+                                        <p:strVal val="visible"/>
+                                      </p:to>
+                                    </p:set>
+                                  </p:childTnLst>
+                                </p:cTn>
+                              </p:par>
+                              <p:par>
+                                <p:cTn id="13" presetID="1" presetClass="entr" presetSubtype="0" fill="hold" nodeType="withEffect">
+                                  <p:stCondLst>
+                                    <p:cond delay="0"/>
+                                  </p:stCondLst>
+                                  <p:childTnLst>
+                                    <p:set>
+                                      <p:cBhvr>
+                                        <p:cTn id="14" dur="1" fill="hold">
+                                          <p:stCondLst>
+                                            <p:cond delay="0"/>
+                                          </p:stCondLst>
+                                        </p:cTn>
+                                        <p:tgtEl>
+                                          <p:spTgt spid="1028"/>
+                                        </p:tgtEl>
+                                        <p:attrNameLst>
+                                          <p:attrName>style.visibility</p:attrName>
+                                        </p:attrNameLst>
+                                      </p:cBhvr>
+                                      <p:to>
+                                        <p:strVal val="visible"/>
+                                      </p:to>
+                                    </p:set>
+                                  </p:childTnLst>
+                                </p:cTn>
+                              </p:par>
+                            </p:childTnLst>
+                          </p:cTn>
+                        </p:par>
+                      </p:childTnLst>
+                    </p:cTn>
+                  </p:par>
+                  <p:par>
+                    <p:cTn id="15" fill="hold">
+                      <p:stCondLst>
+                        <p:cond delay="indefinite"/>
+                      </p:stCondLst>
+                      <p:childTnLst>
+                        <p:par>
+                          <p:cTn id="16" fill="hold">
+                            <p:stCondLst>
+                              <p:cond delay="0"/>
+                            </p:stCondLst>
+                            <p:childTnLst>
+                              <p:par>
+                                <p:cTn id="17" presetID="1" presetClass="entr" presetSubtype="0" fill="hold" grpId="0" nodeType="clickEffect">
+                                  <p:stCondLst>
+                                    <p:cond delay="0"/>
+                                  </p:stCondLst>
+                                  <p:childTnLst>
+                                    <p:set>
+                                      <p:cBhvr>
+                                        <p:cTn id="18" dur="1" fill="hold">
+                                          <p:stCondLst>
+                                            <p:cond delay="0"/>
+                                          </p:stCondLst>
+                                        </p:cTn>
+                                        <p:tgtEl>
+                                          <p:spTgt spid="3">
+                                            <p:txEl>
+                                              <p:pRg st="4" end="4"/>
+                                            </p:txEl>
+                                          </p:spTgt>
+                                        </p:tgtEl>
+                                        <p:attrNameLst>
+                                          <p:attrName>style.visibility</p:attrName>
+                                        </p:attrNameLst>
+                                      </p:cBhvr>
+                                      <p:to>
+                                        <p:strVal val="visible"/>
+                                      </p:to>
+                                    </p:set>
+                                  </p:childTnLst>
+                                </p:cTn>
+                              </p:par>
+                              <p:par>
+                                <p:cTn id="19" presetID="1" presetClass="entr" presetSubtype="0" fill="hold" nodeType="withEffect">
+                                  <p:stCondLst>
+                                    <p:cond delay="0"/>
+                                  </p:stCondLst>
+                                  <p:childTnLst>
+                                    <p:set>
+                                      <p:cBhvr>
+                                        <p:cTn id="20" dur="1" fill="hold">
+                                          <p:stCondLst>
+                                            <p:cond delay="0"/>
+                                          </p:stCondLst>
+                                        </p:cTn>
+                                        <p:tgtEl>
+                                          <p:spTgt spid="1030"/>
+                                        </p:tgtEl>
+                                        <p:attrNameLst>
+                                          <p:attrName>style.visibility</p:attrName>
+                                        </p:attrNameLst>
+                                      </p:cBhvr>
+                                      <p:to>
+                                        <p:strVal val="visible"/>
+                                      </p:to>
+                                    </p:set>
+                                  </p:childTnLst>
+                                </p:cTn>
+                              </p:par>
+                            </p:childTnLst>
+                          </p:cTn>
+                        </p:par>
+                      </p:childTnLst>
+                    </p:cTn>
+                  </p:par>
+                  <p:par>
+                    <p:cTn id="21" fill="hold">
+                      <p:stCondLst>
+                        <p:cond delay="indefinite"/>
+                      </p:stCondLst>
+                      <p:childTnLst>
+                        <p:par>
+                          <p:cTn id="22" fill="hold">
+                            <p:stCondLst>
+                              <p:cond delay="0"/>
+                            </p:stCondLst>
+                            <p:childTnLst>
+                              <p:par>
+                                <p:cTn id="23" presetID="1" presetClass="entr" presetSubtype="0" fill="hold" grpId="0" nodeType="clickEffect">
+                                  <p:stCondLst>
+                                    <p:cond delay="0"/>
+                                  </p:stCondLst>
+                                  <p:childTnLst>
+                                    <p:set>
+                                      <p:cBhvr>
+                                        <p:cTn id="24" dur="1" fill="hold">
+                                          <p:stCondLst>
+                                            <p:cond delay="0"/>
+                                          </p:stCondLst>
+                                        </p:cTn>
+                                        <p:tgtEl>
+                                          <p:spTgt spid="3">
+                                            <p:txEl>
+                                              <p:pRg st="6" end="6"/>
+                                            </p:txEl>
+                                          </p:spTgt>
+                                        </p:tgtEl>
+                                        <p:attrNameLst>
+                                          <p:attrName>style.visibility</p:attrName>
+                                        </p:attrNameLst>
+                                      </p:cBhvr>
+                                      <p:to>
+                                        <p:strVal val="visible"/>
+                                      </p:to>
+                                    </p:set>
+                                  </p:childTnLst>
+                                </p:cTn>
+                              </p:par>
+                              <p:par>
+                                <p:cTn id="25" presetID="1" presetClass="entr" presetSubtype="0" fill="hold" nodeType="withEffect">
+                                  <p:stCondLst>
+                                    <p:cond delay="0"/>
+                                  </p:stCondLst>
+                                  <p:childTnLst>
+                                    <p:set>
+                                      <p:cBhvr>
+                                        <p:cTn id="26" dur="1" fill="hold">
+                                          <p:stCondLst>
+                                            <p:cond delay="0"/>
+                                          </p:stCondLst>
+                                        </p:cTn>
+                                        <p:tgtEl>
+                                          <p:spTgt spid="1032"/>
+                                        </p:tgtEl>
+                                        <p:attrNameLst>
+                                          <p:attrName>style.visibility</p:attrName>
+                                        </p:attrNameLst>
+                                      </p:cBhvr>
+                                      <p:to>
+                                        <p:strVal val="visible"/>
+                                      </p:to>
+                                    </p:set>
+                                  </p:childTnLst>
+                                </p:cTn>
+                              </p:par>
+                            </p:childTnLst>
+                          </p:cTn>
+                        </p:par>
+                      </p:childTnLst>
+                    </p:cTn>
+                  </p:par>
+                  <p:par>
+                    <p:cTn id="27" fill="hold">
+                      <p:stCondLst>
+                        <p:cond delay="indefinite"/>
+                      </p:stCondLst>
+                      <p:childTnLst>
+                        <p:par>
+                          <p:cTn id="28" fill="hold">
+                            <p:stCondLst>
+                              <p:cond delay="0"/>
+                            </p:stCondLst>
+                            <p:childTnLst>
+                              <p:par>
+                                <p:cTn id="29" presetID="1" presetClass="entr" presetSubtype="0" fill="hold" grpId="0" nodeType="clickEffect">
+                                  <p:stCondLst>
+                                    <p:cond delay="0"/>
+                                  </p:stCondLst>
+                                  <p:childTnLst>
+                                    <p:set>
+                                      <p:cBhvr>
+                                        <p:cTn id="30" dur="1" fill="hold">
+                                          <p:stCondLst>
+                                            <p:cond delay="0"/>
+                                          </p:stCondLst>
+                                        </p:cTn>
+                                        <p:tgtEl>
+                                          <p:spTgt spid="3">
+                                            <p:txEl>
+                                              <p:pRg st="8" end="8"/>
+                                            </p:txEl>
+                                          </p:spTgt>
+                                        </p:tgtEl>
+                                        <p:attrNameLst>
+                                          <p:attrName>style.visibility</p:attrName>
+                                        </p:attrNameLst>
+                                      </p:cBhvr>
+                                      <p:to>
+                                        <p:strVal val="visible"/>
+                                      </p:to>
+                                    </p:set>
+                                  </p:childTnLst>
+                                </p:cTn>
+                              </p:par>
+                              <p:par>
+                                <p:cTn id="31" presetID="1" presetClass="entr" presetSubtype="0" fill="hold" nodeType="withEffect">
+                                  <p:stCondLst>
+                                    <p:cond delay="0"/>
+                                  </p:stCondLst>
+                                  <p:childTnLst>
+                                    <p:set>
+                                      <p:cBhvr>
+                                        <p:cTn id="32" dur="1" fill="hold">
+                                          <p:stCondLst>
+                                            <p:cond delay="0"/>
+                                          </p:stCondLst>
+                                        </p:cTn>
+                                        <p:tgtEl>
+                                          <p:spTgt spid="5"/>
+                                        </p:tgtEl>
+                                        <p:attrNameLst>
+                                          <p:attrName>style.visibility</p:attrName>
+                                        </p:attrNameLst>
+                                      </p:cBhvr>
+                                      <p:to>
+                                        <p:strVal val="visible"/>
+                                      </p:to>
+                                    </p:set>
+                                  </p:childTnLst>
+                                </p:cTn>
+                              </p:par>
+                            </p:childTnLst>
+                          </p:cTn>
+                        </p:par>
+                      </p:childTnLst>
+                    </p:cTn>
+                  </p:par>
+                </p:childTnLst>
+              </p:cTn>
+              <p:prevCondLst>
+                <p:cond evt="onPrev" delay="0">
+                  <p:tgtEl>
+                    <p:sldTgt/>
+                  </p:tgtEl>
+                </p:cond>
+              </p:prevCondLst>
+              <p:nextCondLst>
+                <p:cond evt="onNext" delay="0">
+                  <p:tgtEl>
+                    <p:sldTgt/>
+                  </p:tgtEl>
+                </p:cond>
+              </p:nextCondLst>
+            </p:seq>
+          </p:childTnLst>
+        </p:cTn>
+      </p:par>
+    </p:tnLst>
+    <p:bldLst>
+      <p:bldP spid="3" grpId="0" uiExpand="1" build="p"/>
+    </p:bldLst>
+  </p:timing>
+</p:sld>
+</file>
+
+<file path=ppt/slides/slide3.xml><?xml version="1.0" encoding="utf-8"?>
+<p:sld xmlns:a="http://schemas.openxmlformats.org/drawingml/2006/main" xmlns:r="http://schemas.openxmlformats.org/officeDocument/2006/relationships" xmlns:p="http://schemas.openxmlformats.org/presentationml/2006/main">
+  <p:cSld>
+    <p:spTree>
+      <p:nvGrpSpPr>
+        <p:cNvPr id="1" name=""/>
+        <p:cNvGrpSpPr/>
+        <p:nvPr/>
+      </p:nvGrpSpPr>
+      <p:grpSpPr>
+        <a:xfrm>
+          <a:off x="0" y="0"/>
+          <a:ext cx="0" cy="0"/>
+          <a:chOff x="0" y="0"/>
+          <a:chExt cx="0" cy="0"/>
+        </a:xfrm>
+      </p:grpSpPr>
+      <p:sp>
+        <p:nvSpPr>
+          <p:cNvPr id="2" name="Titel 1">
+            <a:extLst>
+              <a:ext uri="{FF2B5EF4-FFF2-40B4-BE49-F238E27FC236}">
                 <a16:creationId xmlns:a16="http://schemas.microsoft.com/office/drawing/2014/main" id="{B527A45C-9CC9-4688-B14C-8CBDB4DDD50A}"/>
               </a:ext>
             </a:extLst>
@@ -5607,7 +6569,11 @@
           <a:p>
             <a:r>
               <a:rPr lang="nl-NL" dirty="0"/>
-              <a:t>SSH tunnels</a:t>
+              <a:t>SSH tunnels </a:t>
+            </a:r>
+            <a:r>
+              <a:rPr lang="nl-NL" dirty="0" err="1"/>
+              <a:t>flavors</a:t>
             </a:r>
             <a:endParaRPr lang="en-GB" dirty="0"/>
           </a:p>
@@ -5631,7 +6597,7 @@
         </p:nvSpPr>
         <p:spPr>
           <a:xfrm>
-            <a:off x="720004" y="1224000"/>
+            <a:off x="720004" y="1033088"/>
             <a:ext cx="4951928" cy="3491999"/>
           </a:xfrm>
         </p:spPr>
@@ -5643,7 +6609,7 @@
           </a:p>
           <a:p>
             <a:r>
-              <a:rPr lang="en-GB" dirty="0"/>
+              <a:rPr lang="en-GB" b="1" dirty="0"/>
               <a:t>Local Port Forwarding</a:t>
             </a:r>
             <a:br>
@@ -5659,7 +6625,7 @@
           </a:p>
           <a:p>
             <a:r>
-              <a:rPr lang="en-GB" dirty="0"/>
+              <a:rPr lang="en-GB" b="1" dirty="0"/>
               <a:t>Remote Port Forwarding</a:t>
             </a:r>
             <a:br>
@@ -5675,7 +6641,7 @@
           </a:p>
           <a:p>
             <a:r>
-              <a:rPr lang="en-GB" dirty="0"/>
+              <a:rPr lang="en-GB" b="1" dirty="0"/>
               <a:t>Dynamic Port Forwarding</a:t>
             </a:r>
             <a:br>
@@ -5704,7 +6670,12 @@
             <p:ph type="ftr" sz="quarter" idx="11"/>
           </p:nvPr>
         </p:nvSpPr>
-        <p:spPr/>
+        <p:spPr>
+          <a:xfrm>
+            <a:off x="4968000" y="4813088"/>
+            <a:ext cx="3240000" cy="108000"/>
+          </a:xfrm>
+        </p:spPr>
         <p:txBody>
           <a:bodyPr/>
           <a:lstStyle/>
@@ -5732,45 +6703,21 @@
             <p:ph type="sldNum" sz="quarter" idx="12"/>
           </p:nvPr>
         </p:nvSpPr>
-        <p:spPr/>
+        <p:spPr>
+          <a:xfrm>
+            <a:off x="8280000" y="4813088"/>
+            <a:ext cx="144000" cy="108000"/>
+          </a:xfrm>
+        </p:spPr>
         <p:txBody>
           <a:bodyPr/>
           <a:lstStyle/>
           <a:p>
             <a:fld id="{14F1411D-0280-154F-AEAC-4C20B7AA46B2}" type="slidenum">
               <a:rPr lang="nl-NL" smtClean="0"/>
-              <a:t>2</a:t>
+              <a:t>3</a:t>
             </a:fld>
             <a:endParaRPr lang="nl-NL"/>
-          </a:p>
-        </p:txBody>
-      </p:sp>
-      <p:sp>
-        <p:nvSpPr>
-          <p:cNvPr id="6" name="Tijdelijke aanduiding voor tekst 5">
-            <a:extLst>
-              <a:ext uri="{FF2B5EF4-FFF2-40B4-BE49-F238E27FC236}">
-                <a16:creationId xmlns:a16="http://schemas.microsoft.com/office/drawing/2014/main" id="{201F1BD3-6771-4FA1-9E92-0F00519FA358}"/>
-              </a:ext>
-            </a:extLst>
-          </p:cNvPr>
-          <p:cNvSpPr>
-            <a:spLocks noGrp="1"/>
-          </p:cNvSpPr>
-          <p:nvPr>
-            <p:ph type="body" idx="13"/>
-          </p:nvPr>
-        </p:nvSpPr>
-        <p:spPr/>
-        <p:txBody>
-          <a:bodyPr/>
-          <a:lstStyle/>
-          <a:p>
-            <a:r>
-              <a:rPr lang="nl-NL" dirty="0" err="1"/>
-              <a:t>Usecases</a:t>
-            </a:r>
-            <a:endParaRPr lang="en-GB" dirty="0"/>
           </a:p>
         </p:txBody>
       </p:sp>
@@ -5788,7 +6735,7 @@
         </p:nvSpPr>
         <p:spPr>
           <a:xfrm>
-            <a:off x="5797827" y="1630017"/>
+            <a:off x="5797827" y="1439105"/>
             <a:ext cx="947529" cy="530087"/>
           </a:xfrm>
           <a:prstGeom prst="rect">
@@ -5837,7 +6784,7 @@
         </p:nvSpPr>
         <p:spPr>
           <a:xfrm>
-            <a:off x="6871252" y="1630017"/>
+            <a:off x="6871252" y="1439105"/>
             <a:ext cx="947530" cy="530087"/>
           </a:xfrm>
           <a:prstGeom prst="rect">
@@ -5887,7 +6834,7 @@
         </p:nvSpPr>
         <p:spPr>
           <a:xfrm>
-            <a:off x="7944677" y="1630017"/>
+            <a:off x="7944677" y="1439105"/>
             <a:ext cx="947531" cy="530087"/>
           </a:xfrm>
           <a:prstGeom prst="rect">
@@ -5936,7 +6883,7 @@
         </p:nvSpPr>
         <p:spPr>
           <a:xfrm>
-            <a:off x="5797827" y="2664905"/>
+            <a:off x="5797827" y="2473993"/>
             <a:ext cx="947529" cy="530087"/>
           </a:xfrm>
           <a:prstGeom prst="rect">
@@ -5985,7 +6932,7 @@
         </p:nvSpPr>
         <p:spPr>
           <a:xfrm>
-            <a:off x="6871252" y="2664905"/>
+            <a:off x="6871252" y="2473993"/>
             <a:ext cx="947530" cy="530087"/>
           </a:xfrm>
           <a:prstGeom prst="rect">
@@ -6035,7 +6982,7 @@
         </p:nvSpPr>
         <p:spPr>
           <a:xfrm>
-            <a:off x="5796807" y="3697291"/>
+            <a:off x="5796807" y="3506379"/>
             <a:ext cx="947529" cy="530087"/>
           </a:xfrm>
           <a:prstGeom prst="rect">
@@ -6084,7 +7031,7 @@
         </p:nvSpPr>
         <p:spPr>
           <a:xfrm>
-            <a:off x="6870232" y="3697291"/>
+            <a:off x="6870232" y="3506379"/>
             <a:ext cx="947530" cy="530087"/>
           </a:xfrm>
           <a:prstGeom prst="rect">
@@ -6134,7 +7081,7 @@
         </p:nvSpPr>
         <p:spPr>
           <a:xfrm>
-            <a:off x="7950234" y="3330195"/>
+            <a:off x="7950234" y="3139283"/>
             <a:ext cx="947531" cy="530087"/>
           </a:xfrm>
           <a:prstGeom prst="rect">
@@ -6183,7 +7130,7 @@
         </p:nvSpPr>
         <p:spPr>
           <a:xfrm>
-            <a:off x="7943658" y="4035638"/>
+            <a:off x="7943658" y="3844726"/>
             <a:ext cx="947531" cy="530087"/>
           </a:xfrm>
           <a:prstGeom prst="rect">
@@ -6235,7 +7182,7 @@
         </p:nvCxnSpPr>
         <p:spPr>
           <a:xfrm>
-            <a:off x="6745356" y="1895061"/>
+            <a:off x="6745356" y="1704149"/>
             <a:ext cx="125896" cy="0"/>
           </a:xfrm>
           <a:prstGeom prst="straightConnector1">
@@ -6278,7 +7225,7 @@
         </p:nvCxnSpPr>
         <p:spPr>
           <a:xfrm>
-            <a:off x="7818782" y="1895061"/>
+            <a:off x="7818782" y="1704149"/>
             <a:ext cx="125895" cy="0"/>
           </a:xfrm>
           <a:prstGeom prst="straightConnector1">
@@ -6321,7 +7268,7 @@
         </p:nvCxnSpPr>
         <p:spPr>
           <a:xfrm>
-            <a:off x="6745356" y="2929949"/>
+            <a:off x="6745356" y="2739037"/>
             <a:ext cx="125896" cy="0"/>
           </a:xfrm>
           <a:prstGeom prst="straightConnector1">
@@ -6364,7 +7311,7 @@
         </p:nvCxnSpPr>
         <p:spPr>
           <a:xfrm>
-            <a:off x="6744336" y="3962335"/>
+            <a:off x="6744336" y="3771423"/>
             <a:ext cx="125896" cy="0"/>
           </a:xfrm>
           <a:prstGeom prst="straightConnector1">
@@ -6407,7 +7354,7 @@
         </p:nvCxnSpPr>
         <p:spPr>
           <a:xfrm flipV="1">
-            <a:off x="7817762" y="3595239"/>
+            <a:off x="7817762" y="3404327"/>
             <a:ext cx="132472" cy="367096"/>
           </a:xfrm>
           <a:prstGeom prst="straightConnector1">
@@ -6450,7 +7397,7 @@
         </p:nvCxnSpPr>
         <p:spPr>
           <a:xfrm>
-            <a:off x="7817762" y="3962335"/>
+            <a:off x="7817762" y="3771423"/>
             <a:ext cx="125896" cy="338347"/>
           </a:xfrm>
           <a:prstGeom prst="straightConnector1">
@@ -6489,7 +7436,7 @@
         </p:nvSpPr>
         <p:spPr>
           <a:xfrm>
-            <a:off x="7676327" y="1390519"/>
+            <a:off x="7676327" y="1199607"/>
             <a:ext cx="408766" cy="200055"/>
           </a:xfrm>
           <a:prstGeom prst="rect">
@@ -6525,7 +7472,7 @@
         </p:nvSpPr>
         <p:spPr>
           <a:xfrm>
-            <a:off x="7558783" y="4615971"/>
+            <a:off x="7558783" y="4425059"/>
             <a:ext cx="649217" cy="200055"/>
           </a:xfrm>
           <a:prstGeom prst="rect">
@@ -7266,7 +8213,7 @@
 </p:sld>
 </file>
 
-<file path=ppt/slides/slide3.xml><?xml version="1.0" encoding="utf-8"?>
+<file path=ppt/slides/slide4.xml><?xml version="1.0" encoding="utf-8"?>
 <p:sld xmlns:a="http://schemas.openxmlformats.org/drawingml/2006/main" xmlns:r="http://schemas.openxmlformats.org/officeDocument/2006/relationships" xmlns:p="http://schemas.openxmlformats.org/presentationml/2006/main">
   <p:cSld>
     <p:spTree>
@@ -7371,7 +8318,7 @@
           <a:p>
             <a:fld id="{14F1411D-0280-154F-AEAC-4C20B7AA46B2}" type="slidenum">
               <a:rPr lang="nl-NL" smtClean="0"/>
-              <a:t>3</a:t>
+              <a:t>4</a:t>
             </a:fld>
             <a:endParaRPr lang="nl-NL"/>
           </a:p>
@@ -8266,7 +9213,7 @@
 </p:sld>
 </file>
 
-<file path=ppt/slides/slide4.xml><?xml version="1.0" encoding="utf-8"?>
+<file path=ppt/slides/slide5.xml><?xml version="1.0" encoding="utf-8"?>
 <p:sld xmlns:a="http://schemas.openxmlformats.org/drawingml/2006/main" xmlns:r="http://schemas.openxmlformats.org/officeDocument/2006/relationships" xmlns:p="http://schemas.openxmlformats.org/presentationml/2006/main">
   <p:cSld>
     <p:spTree>
@@ -8334,7 +9281,7 @@
           <a:p>
             <a:fld id="{14F1411D-0280-154F-AEAC-4C20B7AA46B2}" type="slidenum">
               <a:rPr lang="nl-NL" smtClean="0"/>
-              <a:t>4</a:t>
+              <a:t>5</a:t>
             </a:fld>
             <a:endParaRPr lang="nl-NL"/>
           </a:p>
@@ -8374,6 +9321,748 @@
     <p:extLst>
       <p:ext uri="{BB962C8B-B14F-4D97-AF65-F5344CB8AC3E}">
         <p14:creationId xmlns:p14="http://schemas.microsoft.com/office/powerpoint/2010/main" val="2383710315"/>
+      </p:ext>
+    </p:extLst>
+  </p:cSld>
+  <p:clrMapOvr>
+    <a:masterClrMapping/>
+  </p:clrMapOvr>
+</p:sld>
+</file>
+
+<file path=ppt/slides/slide6.xml><?xml version="1.0" encoding="utf-8"?>
+<p:sld xmlns:a="http://schemas.openxmlformats.org/drawingml/2006/main" xmlns:r="http://schemas.openxmlformats.org/officeDocument/2006/relationships" xmlns:p="http://schemas.openxmlformats.org/presentationml/2006/main">
+  <p:cSld>
+    <p:spTree>
+      <p:nvGrpSpPr>
+        <p:cNvPr id="1" name=""/>
+        <p:cNvGrpSpPr/>
+        <p:nvPr/>
+      </p:nvGrpSpPr>
+      <p:grpSpPr>
+        <a:xfrm>
+          <a:off x="0" y="0"/>
+          <a:ext cx="0" cy="0"/>
+          <a:chOff x="0" y="0"/>
+          <a:chExt cx="0" cy="0"/>
+        </a:xfrm>
+      </p:grpSpPr>
+      <p:sp>
+        <p:nvSpPr>
+          <p:cNvPr id="2" name="Titel 1">
+            <a:extLst>
+              <a:ext uri="{FF2B5EF4-FFF2-40B4-BE49-F238E27FC236}">
+                <a16:creationId xmlns:a16="http://schemas.microsoft.com/office/drawing/2014/main" id="{2C7BB156-74BC-43C7-B07B-BAB4F89E3570}"/>
+              </a:ext>
+            </a:extLst>
+          </p:cNvPr>
+          <p:cNvSpPr>
+            <a:spLocks noGrp="1"/>
+          </p:cNvSpPr>
+          <p:nvPr>
+            <p:ph type="title"/>
+          </p:nvPr>
+        </p:nvSpPr>
+        <p:spPr>
+          <a:xfrm>
+            <a:off x="719999" y="-53641"/>
+            <a:ext cx="6624000" cy="504000"/>
+          </a:xfrm>
+        </p:spPr>
+        <p:txBody>
+          <a:bodyPr/>
+          <a:lstStyle/>
+          <a:p>
+            <a:r>
+              <a:rPr lang="nl-NL" dirty="0"/>
+              <a:t>SSH tunnels </a:t>
+            </a:r>
+            <a:r>
+              <a:rPr lang="nl-NL" dirty="0" err="1"/>
+              <a:t>compared</a:t>
+            </a:r>
+            <a:r>
+              <a:rPr lang="nl-NL" dirty="0"/>
+              <a:t> </a:t>
+            </a:r>
+            <a:r>
+              <a:rPr lang="nl-NL" dirty="0" err="1"/>
+              <a:t>to</a:t>
+            </a:r>
+            <a:r>
+              <a:rPr lang="nl-NL" dirty="0"/>
+              <a:t> VPN</a:t>
+            </a:r>
+            <a:endParaRPr lang="en-GB" dirty="0"/>
+          </a:p>
+        </p:txBody>
+      </p:sp>
+      <p:sp>
+        <p:nvSpPr>
+          <p:cNvPr id="4" name="Tijdelijke aanduiding voor dianummer 3">
+            <a:extLst>
+              <a:ext uri="{FF2B5EF4-FFF2-40B4-BE49-F238E27FC236}">
+                <a16:creationId xmlns:a16="http://schemas.microsoft.com/office/drawing/2014/main" id="{E7D0CAEC-24EB-4204-B61C-B6BC07D0F6C9}"/>
+              </a:ext>
+            </a:extLst>
+          </p:cNvPr>
+          <p:cNvSpPr>
+            <a:spLocks noGrp="1"/>
+          </p:cNvSpPr>
+          <p:nvPr>
+            <p:ph type="sldNum" sz="quarter" idx="12"/>
+          </p:nvPr>
+        </p:nvSpPr>
+        <p:spPr/>
+        <p:txBody>
+          <a:bodyPr/>
+          <a:lstStyle/>
+          <a:p>
+            <a:fld id="{14F1411D-0280-154F-AEAC-4C20B7AA46B2}" type="slidenum">
+              <a:rPr lang="nl-NL" smtClean="0"/>
+              <a:t>6</a:t>
+            </a:fld>
+            <a:endParaRPr lang="nl-NL"/>
+          </a:p>
+        </p:txBody>
+      </p:sp>
+      <p:graphicFrame>
+        <p:nvGraphicFramePr>
+          <p:cNvPr id="5" name="Tabel 5">
+            <a:extLst>
+              <a:ext uri="{FF2B5EF4-FFF2-40B4-BE49-F238E27FC236}">
+                <a16:creationId xmlns:a16="http://schemas.microsoft.com/office/drawing/2014/main" id="{02AD150A-3B17-48D6-AA41-476A1440C51A}"/>
+              </a:ext>
+            </a:extLst>
+          </p:cNvPr>
+          <p:cNvGraphicFramePr>
+            <a:graphicFrameLocks noGrp="1"/>
+          </p:cNvGraphicFramePr>
+          <p:nvPr>
+            <p:extLst>
+              <p:ext uri="{D42A27DB-BD31-4B8C-83A1-F6EECF244321}">
+                <p14:modId xmlns:p14="http://schemas.microsoft.com/office/powerpoint/2010/main" val="359535977"/>
+              </p:ext>
+            </p:extLst>
+          </p:nvPr>
+        </p:nvGraphicFramePr>
+        <p:xfrm>
+          <a:off x="216042" y="378443"/>
+          <a:ext cx="8711916" cy="4688840"/>
+        </p:xfrm>
+        <a:graphic>
+          <a:graphicData uri="http://schemas.openxmlformats.org/drawingml/2006/table">
+            <a:tbl>
+              <a:tblPr firstRow="1" bandRow="1">
+                <a:tableStyleId>{5C22544A-7EE6-4342-B048-85BDC9FD1C3A}</a:tableStyleId>
+              </a:tblPr>
+              <a:tblGrid>
+                <a:gridCol w="2903972">
+                  <a:extLst>
+                    <a:ext uri="{9D8B030D-6E8A-4147-A177-3AD203B41FA5}">
+                      <a16:colId xmlns:a16="http://schemas.microsoft.com/office/drawing/2014/main" val="2751571220"/>
+                    </a:ext>
+                  </a:extLst>
+                </a:gridCol>
+                <a:gridCol w="2903972">
+                  <a:extLst>
+                    <a:ext uri="{9D8B030D-6E8A-4147-A177-3AD203B41FA5}">
+                      <a16:colId xmlns:a16="http://schemas.microsoft.com/office/drawing/2014/main" val="2952700354"/>
+                    </a:ext>
+                  </a:extLst>
+                </a:gridCol>
+                <a:gridCol w="2903972">
+                  <a:extLst>
+                    <a:ext uri="{9D8B030D-6E8A-4147-A177-3AD203B41FA5}">
+                      <a16:colId xmlns:a16="http://schemas.microsoft.com/office/drawing/2014/main" val="330533010"/>
+                    </a:ext>
+                  </a:extLst>
+                </a:gridCol>
+              </a:tblGrid>
+              <a:tr h="370840">
+                <a:tc>
+                  <a:txBody>
+                    <a:bodyPr/>
+                    <a:lstStyle/>
+                    <a:p>
+                      <a:endParaRPr lang="en-US" sz="1200" noProof="0" dirty="0"/>
+                    </a:p>
+                  </a:txBody>
+                  <a:tcPr anchor="ctr"/>
+                </a:tc>
+                <a:tc>
+                  <a:txBody>
+                    <a:bodyPr/>
+                    <a:lstStyle/>
+                    <a:p>
+                      <a:r>
+                        <a:rPr lang="en-US" sz="1200" noProof="0" dirty="0"/>
+                        <a:t>SSH tunnel</a:t>
+                      </a:r>
+                    </a:p>
+                  </a:txBody>
+                  <a:tcPr anchor="ctr"/>
+                </a:tc>
+                <a:tc>
+                  <a:txBody>
+                    <a:bodyPr/>
+                    <a:lstStyle/>
+                    <a:p>
+                      <a:r>
+                        <a:rPr lang="en-US" sz="1200" noProof="0" dirty="0"/>
+                        <a:t>VPN</a:t>
+                      </a:r>
+                    </a:p>
+                  </a:txBody>
+                  <a:tcPr anchor="ctr"/>
+                </a:tc>
+                <a:extLst>
+                  <a:ext uri="{0D108BD9-81ED-4DB2-BD59-A6C34878D82A}">
+                    <a16:rowId xmlns:a16="http://schemas.microsoft.com/office/drawing/2014/main" val="4058654406"/>
+                  </a:ext>
+                </a:extLst>
+              </a:tr>
+              <a:tr h="370840">
+                <a:tc>
+                  <a:txBody>
+                    <a:bodyPr/>
+                    <a:lstStyle/>
+                    <a:p>
+                      <a:r>
+                        <a:rPr lang="en-US" sz="1000" noProof="0" dirty="0"/>
+                        <a:t>Server (usually)</a:t>
+                      </a:r>
+                    </a:p>
+                  </a:txBody>
+                  <a:tcPr anchor="ctr"/>
+                </a:tc>
+                <a:tc>
+                  <a:txBody>
+                    <a:bodyPr/>
+                    <a:lstStyle/>
+                    <a:p>
+                      <a:r>
+                        <a:rPr lang="en-US" sz="1000" noProof="0" dirty="0"/>
+                        <a:t>Do it yourself</a:t>
+                      </a:r>
+                    </a:p>
+                  </a:txBody>
+                  <a:tcPr anchor="ctr"/>
+                </a:tc>
+                <a:tc>
+                  <a:txBody>
+                    <a:bodyPr/>
+                    <a:lstStyle/>
+                    <a:p>
+                      <a:r>
+                        <a:rPr lang="en-US" sz="1000" noProof="0"/>
+                        <a:t>Provided</a:t>
+                      </a:r>
+                    </a:p>
+                  </a:txBody>
+                  <a:tcPr anchor="ctr"/>
+                </a:tc>
+                <a:extLst>
+                  <a:ext uri="{0D108BD9-81ED-4DB2-BD59-A6C34878D82A}">
+                    <a16:rowId xmlns:a16="http://schemas.microsoft.com/office/drawing/2014/main" val="2393344132"/>
+                  </a:ext>
+                </a:extLst>
+              </a:tr>
+              <a:tr h="370840">
+                <a:tc>
+                  <a:txBody>
+                    <a:bodyPr/>
+                    <a:lstStyle/>
+                    <a:p>
+                      <a:r>
+                        <a:rPr lang="en-US" sz="1000" noProof="0" dirty="0"/>
+                        <a:t>Technology</a:t>
+                      </a:r>
+                    </a:p>
+                  </a:txBody>
+                  <a:tcPr anchor="ctr"/>
+                </a:tc>
+                <a:tc>
+                  <a:txBody>
+                    <a:bodyPr/>
+                    <a:lstStyle/>
+                    <a:p>
+                      <a:r>
+                        <a:rPr lang="en-US" sz="1000" noProof="0" dirty="0"/>
+                        <a:t>SSH</a:t>
+                      </a:r>
+                    </a:p>
+                  </a:txBody>
+                  <a:tcPr anchor="ctr"/>
+                </a:tc>
+                <a:tc>
+                  <a:txBody>
+                    <a:bodyPr/>
+                    <a:lstStyle/>
+                    <a:p>
+                      <a:r>
+                        <a:rPr lang="en-US" sz="1000" noProof="0" dirty="0"/>
+                        <a:t>NSA compromised</a:t>
+                      </a:r>
+                    </a:p>
+                    <a:p>
+                      <a:r>
+                        <a:rPr lang="en-US" sz="1000" noProof="0" dirty="0"/>
+                        <a:t>- L2TP, IKE, </a:t>
+                      </a:r>
+                      <a:r>
+                        <a:rPr lang="en-US" sz="1000" noProof="0" dirty="0" err="1"/>
+                        <a:t>IPSec</a:t>
+                      </a:r>
+                      <a:br>
+                        <a:rPr lang="en-US" sz="1000" noProof="0" dirty="0"/>
+                      </a:br>
+                      <a:r>
+                        <a:rPr lang="en-US" sz="1000" noProof="0" dirty="0"/>
+                        <a:t>Not known to be compromised: </a:t>
+                      </a:r>
+                      <a:br>
+                        <a:rPr lang="en-US" sz="1000" noProof="0" dirty="0"/>
+                      </a:br>
+                      <a:r>
+                        <a:rPr lang="en-US" sz="1000" noProof="0" dirty="0"/>
+                        <a:t>- OpenVPN, </a:t>
+                      </a:r>
+                      <a:r>
+                        <a:rPr lang="en-US" sz="1000" noProof="0" dirty="0" err="1"/>
+                        <a:t>WireGuard</a:t>
+                      </a:r>
+                      <a:r>
+                        <a:rPr lang="en-US" sz="1000" noProof="0" dirty="0"/>
+                        <a:t>, IKEv2</a:t>
+                      </a:r>
+                    </a:p>
+                  </a:txBody>
+                  <a:tcPr anchor="ctr"/>
+                </a:tc>
+                <a:extLst>
+                  <a:ext uri="{0D108BD9-81ED-4DB2-BD59-A6C34878D82A}">
+                    <a16:rowId xmlns:a16="http://schemas.microsoft.com/office/drawing/2014/main" val="4109289643"/>
+                  </a:ext>
+                </a:extLst>
+              </a:tr>
+              <a:tr h="370840">
+                <a:tc>
+                  <a:txBody>
+                    <a:bodyPr/>
+                    <a:lstStyle/>
+                    <a:p>
+                      <a:r>
+                        <a:rPr lang="en-US" sz="1000" noProof="0" dirty="0"/>
+                        <a:t>Ports used</a:t>
+                      </a:r>
+                    </a:p>
+                  </a:txBody>
+                  <a:tcPr anchor="ctr"/>
+                </a:tc>
+                <a:tc>
+                  <a:txBody>
+                    <a:bodyPr/>
+                    <a:lstStyle/>
+                    <a:p>
+                      <a:r>
+                        <a:rPr lang="en-US" sz="1000" noProof="0" dirty="0"/>
+                        <a:t>Single port, configurable</a:t>
+                      </a:r>
+                    </a:p>
+                  </a:txBody>
+                  <a:tcPr anchor="ctr"/>
+                </a:tc>
+                <a:tc>
+                  <a:txBody>
+                    <a:bodyPr/>
+                    <a:lstStyle/>
+                    <a:p>
+                      <a:r>
+                        <a:rPr lang="en-US" sz="1000" noProof="0" dirty="0"/>
+                        <a:t>Differs per technology</a:t>
+                      </a:r>
+                    </a:p>
+                  </a:txBody>
+                  <a:tcPr anchor="ctr"/>
+                </a:tc>
+                <a:extLst>
+                  <a:ext uri="{0D108BD9-81ED-4DB2-BD59-A6C34878D82A}">
+                    <a16:rowId xmlns:a16="http://schemas.microsoft.com/office/drawing/2014/main" val="4046483601"/>
+                  </a:ext>
+                </a:extLst>
+              </a:tr>
+              <a:tr h="370840">
+                <a:tc>
+                  <a:txBody>
+                    <a:bodyPr/>
+                    <a:lstStyle/>
+                    <a:p>
+                      <a:r>
+                        <a:rPr lang="en-US" sz="1000" noProof="0"/>
+                        <a:t>Connection stability</a:t>
+                      </a:r>
+                    </a:p>
+                  </a:txBody>
+                  <a:tcPr anchor="ctr"/>
+                </a:tc>
+                <a:tc>
+                  <a:txBody>
+                    <a:bodyPr/>
+                    <a:lstStyle/>
+                    <a:p>
+                      <a:r>
+                        <a:rPr lang="en-US" sz="1000" noProof="0" dirty="0"/>
+                        <a:t>SSH client based</a:t>
+                      </a:r>
+                    </a:p>
+                  </a:txBody>
+                  <a:tcPr anchor="ctr"/>
+                </a:tc>
+                <a:tc>
+                  <a:txBody>
+                    <a:bodyPr/>
+                    <a:lstStyle/>
+                    <a:p>
+                      <a:r>
+                        <a:rPr lang="en-US" sz="1000" noProof="0" dirty="0"/>
+                        <a:t>Differs per technology</a:t>
+                      </a:r>
+                    </a:p>
+                  </a:txBody>
+                  <a:tcPr anchor="ctr"/>
+                </a:tc>
+                <a:extLst>
+                  <a:ext uri="{0D108BD9-81ED-4DB2-BD59-A6C34878D82A}">
+                    <a16:rowId xmlns:a16="http://schemas.microsoft.com/office/drawing/2014/main" val="3941153175"/>
+                  </a:ext>
+                </a:extLst>
+              </a:tr>
+              <a:tr h="370840">
+                <a:tc>
+                  <a:txBody>
+                    <a:bodyPr/>
+                    <a:lstStyle/>
+                    <a:p>
+                      <a:r>
+                        <a:rPr lang="en-US" sz="1000" noProof="0" dirty="0"/>
+                        <a:t>Bridges</a:t>
+                      </a:r>
+                    </a:p>
+                  </a:txBody>
+                  <a:tcPr anchor="ctr"/>
+                </a:tc>
+                <a:tc>
+                  <a:txBody>
+                    <a:bodyPr/>
+                    <a:lstStyle/>
+                    <a:p>
+                      <a:r>
+                        <a:rPr lang="en-US" sz="1000" noProof="0" dirty="0"/>
+                        <a:t>Connection</a:t>
+                      </a:r>
+                    </a:p>
+                  </a:txBody>
+                  <a:tcPr anchor="ctr"/>
+                </a:tc>
+                <a:tc>
+                  <a:txBody>
+                    <a:bodyPr/>
+                    <a:lstStyle/>
+                    <a:p>
+                      <a:r>
+                        <a:rPr lang="en-US" sz="1000" noProof="0" dirty="0"/>
+                        <a:t>Network</a:t>
+                      </a:r>
+                    </a:p>
+                  </a:txBody>
+                  <a:tcPr anchor="ctr"/>
+                </a:tc>
+                <a:extLst>
+                  <a:ext uri="{0D108BD9-81ED-4DB2-BD59-A6C34878D82A}">
+                    <a16:rowId xmlns:a16="http://schemas.microsoft.com/office/drawing/2014/main" val="983043207"/>
+                  </a:ext>
+                </a:extLst>
+              </a:tr>
+              <a:tr h="370840">
+                <a:tc>
+                  <a:txBody>
+                    <a:bodyPr/>
+                    <a:lstStyle/>
+                    <a:p>
+                      <a:r>
+                        <a:rPr lang="en-US" sz="1000" noProof="0" dirty="0"/>
+                        <a:t>Ease to setup</a:t>
+                      </a:r>
+                    </a:p>
+                  </a:txBody>
+                  <a:tcPr anchor="ctr"/>
+                </a:tc>
+                <a:tc>
+                  <a:txBody>
+                    <a:bodyPr/>
+                    <a:lstStyle/>
+                    <a:p>
+                      <a:r>
+                        <a:rPr lang="en-US" sz="1000" noProof="0" dirty="0"/>
+                        <a:t>Very easy (SSH server required)</a:t>
+                      </a:r>
+                    </a:p>
+                  </a:txBody>
+                  <a:tcPr anchor="ctr"/>
+                </a:tc>
+                <a:tc>
+                  <a:txBody>
+                    <a:bodyPr/>
+                    <a:lstStyle/>
+                    <a:p>
+                      <a:r>
+                        <a:rPr lang="en-US" sz="1000" noProof="0" dirty="0"/>
+                        <a:t>Moderately easy</a:t>
+                      </a:r>
+                      <a:br>
+                        <a:rPr lang="en-US" sz="1000" noProof="0" dirty="0"/>
+                      </a:br>
+                      <a:r>
+                        <a:rPr lang="en-US" sz="1000" noProof="0" dirty="0"/>
+                        <a:t>Setting up your own VPN server is not easy</a:t>
+                      </a:r>
+                    </a:p>
+                    <a:p>
+                      <a:r>
+                        <a:rPr lang="en-US" sz="1000" noProof="0" dirty="0"/>
+                        <a:t>Using a VPN providers service is easy</a:t>
+                      </a:r>
+                    </a:p>
+                  </a:txBody>
+                  <a:tcPr anchor="ctr"/>
+                </a:tc>
+                <a:extLst>
+                  <a:ext uri="{0D108BD9-81ED-4DB2-BD59-A6C34878D82A}">
+                    <a16:rowId xmlns:a16="http://schemas.microsoft.com/office/drawing/2014/main" val="548359298"/>
+                  </a:ext>
+                </a:extLst>
+              </a:tr>
+              <a:tr h="370840">
+                <a:tc>
+                  <a:txBody>
+                    <a:bodyPr/>
+                    <a:lstStyle/>
+                    <a:p>
+                      <a:r>
+                        <a:rPr lang="en-US" sz="1000" noProof="0" dirty="0"/>
+                        <a:t>Ease of access</a:t>
+                      </a:r>
+                    </a:p>
+                  </a:txBody>
+                  <a:tcPr anchor="ctr"/>
+                </a:tc>
+                <a:tc>
+                  <a:txBody>
+                    <a:bodyPr/>
+                    <a:lstStyle/>
+                    <a:p>
+                      <a:r>
+                        <a:rPr lang="en-US" sz="1000" noProof="0" dirty="0"/>
+                        <a:t>Very easy</a:t>
+                      </a:r>
+                    </a:p>
+                  </a:txBody>
+                  <a:tcPr anchor="ctr"/>
+                </a:tc>
+                <a:tc>
+                  <a:txBody>
+                    <a:bodyPr/>
+                    <a:lstStyle/>
+                    <a:p>
+                      <a:r>
+                        <a:rPr lang="en-US" sz="1000" noProof="0" dirty="0"/>
+                        <a:t>Depends on where you are if you can access the VPN (differs per technology)</a:t>
+                      </a:r>
+                    </a:p>
+                  </a:txBody>
+                  <a:tcPr anchor="ctr"/>
+                </a:tc>
+                <a:extLst>
+                  <a:ext uri="{0D108BD9-81ED-4DB2-BD59-A6C34878D82A}">
+                    <a16:rowId xmlns:a16="http://schemas.microsoft.com/office/drawing/2014/main" val="2287412633"/>
+                  </a:ext>
+                </a:extLst>
+              </a:tr>
+              <a:tr h="370840">
+                <a:tc>
+                  <a:txBody>
+                    <a:bodyPr/>
+                    <a:lstStyle/>
+                    <a:p>
+                      <a:r>
+                        <a:rPr lang="en-US" sz="1000" noProof="0" dirty="0"/>
+                        <a:t>Weakest link</a:t>
+                      </a:r>
+                    </a:p>
+                  </a:txBody>
+                  <a:tcPr anchor="ctr"/>
+                </a:tc>
+                <a:tc>
+                  <a:txBody>
+                    <a:bodyPr/>
+                    <a:lstStyle/>
+                    <a:p>
+                      <a:r>
+                        <a:rPr lang="en-US" sz="1000" noProof="0" dirty="0"/>
+                        <a:t>SSH server</a:t>
+                      </a:r>
+                      <a:br>
+                        <a:rPr lang="en-US" sz="1000" noProof="0" dirty="0"/>
+                      </a:br>
+                      <a:r>
+                        <a:rPr lang="en-US" sz="1000" noProof="0" dirty="0"/>
+                        <a:t>Often self-managed</a:t>
+                      </a:r>
+                    </a:p>
+                  </a:txBody>
+                  <a:tcPr anchor="ctr"/>
+                </a:tc>
+                <a:tc>
+                  <a:txBody>
+                    <a:bodyPr/>
+                    <a:lstStyle/>
+                    <a:p>
+                      <a:r>
+                        <a:rPr lang="en-US" sz="1000" noProof="0" dirty="0"/>
+                        <a:t>VPN provider</a:t>
+                      </a:r>
+                    </a:p>
+                  </a:txBody>
+                  <a:tcPr anchor="ctr"/>
+                </a:tc>
+                <a:extLst>
+                  <a:ext uri="{0D108BD9-81ED-4DB2-BD59-A6C34878D82A}">
+                    <a16:rowId xmlns:a16="http://schemas.microsoft.com/office/drawing/2014/main" val="1966697416"/>
+                  </a:ext>
+                </a:extLst>
+              </a:tr>
+              <a:tr h="370840">
+                <a:tc>
+                  <a:txBody>
+                    <a:bodyPr/>
+                    <a:lstStyle/>
+                    <a:p>
+                      <a:r>
+                        <a:rPr lang="en-US" sz="1000" noProof="0" dirty="0"/>
+                        <a:t>Ease of location change</a:t>
+                      </a:r>
+                    </a:p>
+                  </a:txBody>
+                  <a:tcPr anchor="ctr"/>
+                </a:tc>
+                <a:tc>
+                  <a:txBody>
+                    <a:bodyPr/>
+                    <a:lstStyle/>
+                    <a:p>
+                      <a:r>
+                        <a:rPr lang="en-US" sz="1000" noProof="0" dirty="0"/>
+                        <a:t>Difficult (requires server per region)</a:t>
+                      </a:r>
+                      <a:br>
+                        <a:rPr lang="en-US" sz="1000" noProof="0" dirty="0"/>
+                      </a:br>
+                      <a:r>
+                        <a:rPr lang="en-US" sz="1000" noProof="0" dirty="0"/>
+                        <a:t>Use Tor for that!</a:t>
+                      </a:r>
+                    </a:p>
+                  </a:txBody>
+                  <a:tcPr anchor="ctr"/>
+                </a:tc>
+                <a:tc>
+                  <a:txBody>
+                    <a:bodyPr/>
+                    <a:lstStyle/>
+                    <a:p>
+                      <a:r>
+                        <a:rPr lang="en-US" sz="1000" noProof="0" dirty="0"/>
+                        <a:t>Easy (VPN provider provides servers in different regions)</a:t>
+                      </a:r>
+                    </a:p>
+                  </a:txBody>
+                  <a:tcPr anchor="ctr"/>
+                </a:tc>
+                <a:extLst>
+                  <a:ext uri="{0D108BD9-81ED-4DB2-BD59-A6C34878D82A}">
+                    <a16:rowId xmlns:a16="http://schemas.microsoft.com/office/drawing/2014/main" val="3299862692"/>
+                  </a:ext>
+                </a:extLst>
+              </a:tr>
+              <a:tr h="370840">
+                <a:tc>
+                  <a:txBody>
+                    <a:bodyPr/>
+                    <a:lstStyle/>
+                    <a:p>
+                      <a:r>
+                        <a:rPr lang="en-US" sz="1000" noProof="0" dirty="0"/>
+                        <a:t>Anonymity</a:t>
+                      </a:r>
+                    </a:p>
+                  </a:txBody>
+                  <a:tcPr anchor="ctr"/>
+                </a:tc>
+                <a:tc>
+                  <a:txBody>
+                    <a:bodyPr/>
+                    <a:lstStyle/>
+                    <a:p>
+                      <a:r>
+                        <a:rPr lang="en-US" sz="1000" noProof="0" dirty="0"/>
+                        <a:t>SSH servers / accounts are personal</a:t>
+                      </a:r>
+                      <a:br>
+                        <a:rPr lang="en-US" sz="1000" noProof="0" dirty="0"/>
+                      </a:br>
+                      <a:r>
+                        <a:rPr lang="en-US" sz="1000" noProof="0" dirty="0"/>
+                        <a:t>(only you have a specific source IP)</a:t>
+                      </a:r>
+                    </a:p>
+                  </a:txBody>
+                  <a:tcPr anchor="ctr"/>
+                </a:tc>
+                <a:tc>
+                  <a:txBody>
+                    <a:bodyPr/>
+                    <a:lstStyle/>
+                    <a:p>
+                      <a:r>
+                        <a:rPr lang="en-US" sz="1000" noProof="0" dirty="0"/>
+                        <a:t>VPN servers are shared </a:t>
+                      </a:r>
+                      <a:br>
+                        <a:rPr lang="en-US" sz="1000" noProof="0" dirty="0"/>
+                      </a:br>
+                      <a:r>
+                        <a:rPr lang="en-US" sz="1000" noProof="0" dirty="0"/>
+                        <a:t>(many people have the same source IP)</a:t>
+                      </a:r>
+                    </a:p>
+                  </a:txBody>
+                  <a:tcPr anchor="ctr"/>
+                </a:tc>
+                <a:extLst>
+                  <a:ext uri="{0D108BD9-81ED-4DB2-BD59-A6C34878D82A}">
+                    <a16:rowId xmlns:a16="http://schemas.microsoft.com/office/drawing/2014/main" val="2353458925"/>
+                  </a:ext>
+                </a:extLst>
+              </a:tr>
+            </a:tbl>
+          </a:graphicData>
+        </a:graphic>
+      </p:graphicFrame>
+    </p:spTree>
+    <p:extLst>
+      <p:ext uri="{BB962C8B-B14F-4D97-AF65-F5344CB8AC3E}">
+        <p14:creationId xmlns:p14="http://schemas.microsoft.com/office/powerpoint/2010/main" val="500693300"/>
       </p:ext>
     </p:extLst>
   </p:cSld>
